--- a/2021-2022/практики/ЛР6 кодирование беспроводных/кодирование в беспроводных сетях.pptx
+++ b/2021-2022/практики/ЛР6 кодирование беспроводных/кодирование в беспроводных сетях.pptx
@@ -5,7 +5,7 @@
     <p:sldMasterId id="2147483660" r:id="rId1"/>
   </p:sldMasterIdLst>
   <p:notesMasterIdLst>
-    <p:notesMasterId r:id="rId39"/>
+    <p:notesMasterId r:id="rId40"/>
   </p:notesMasterIdLst>
   <p:sldIdLst>
     <p:sldId id="261" r:id="rId2"/>
@@ -45,6 +45,7 @@
     <p:sldId id="279" r:id="rId36"/>
     <p:sldId id="262" r:id="rId37"/>
     <p:sldId id="284" r:id="rId38"/>
+    <p:sldId id="302" r:id="rId39"/>
   </p:sldIdLst>
   <p:sldSz cx="9144000" cy="6858000" type="screen4x3"/>
   <p:notesSz cx="6858000" cy="9144000"/>
@@ -244,7 +245,7 @@
           <a:p>
             <a:fld id="{1D81282B-C19E-4ED3-9B12-129645377CAE}" type="datetimeFigureOut">
               <a:rPr lang="ru-RU" smtClean="0"/>
-              <a:t>13.12.2021</a:t>
+              <a:t>07.12.2022</a:t>
             </a:fld>
             <a:endParaRPr lang="ru-RU"/>
           </a:p>
@@ -1735,7 +1736,7 @@
           <a:p>
             <a:fld id="{16E01FC7-3239-43AD-825E-58BFFDA5C1AF}" type="datetimeFigureOut">
               <a:rPr lang="ru-RU" smtClean="0"/>
-              <a:t>13.12.2021</a:t>
+              <a:t>07.12.2022</a:t>
             </a:fld>
             <a:endParaRPr lang="ru-RU"/>
           </a:p>
@@ -1905,7 +1906,7 @@
           <a:p>
             <a:fld id="{16E01FC7-3239-43AD-825E-58BFFDA5C1AF}" type="datetimeFigureOut">
               <a:rPr lang="ru-RU" smtClean="0"/>
-              <a:t>13.12.2021</a:t>
+              <a:t>07.12.2022</a:t>
             </a:fld>
             <a:endParaRPr lang="ru-RU"/>
           </a:p>
@@ -2085,7 +2086,7 @@
           <a:p>
             <a:fld id="{16E01FC7-3239-43AD-825E-58BFFDA5C1AF}" type="datetimeFigureOut">
               <a:rPr lang="ru-RU" smtClean="0"/>
-              <a:t>13.12.2021</a:t>
+              <a:t>07.12.2022</a:t>
             </a:fld>
             <a:endParaRPr lang="ru-RU"/>
           </a:p>
@@ -2255,7 +2256,7 @@
           <a:p>
             <a:fld id="{16E01FC7-3239-43AD-825E-58BFFDA5C1AF}" type="datetimeFigureOut">
               <a:rPr lang="ru-RU" smtClean="0"/>
-              <a:t>13.12.2021</a:t>
+              <a:t>07.12.2022</a:t>
             </a:fld>
             <a:endParaRPr lang="ru-RU"/>
           </a:p>
@@ -2499,7 +2500,7 @@
           <a:p>
             <a:fld id="{16E01FC7-3239-43AD-825E-58BFFDA5C1AF}" type="datetimeFigureOut">
               <a:rPr lang="ru-RU" smtClean="0"/>
-              <a:t>13.12.2021</a:t>
+              <a:t>07.12.2022</a:t>
             </a:fld>
             <a:endParaRPr lang="ru-RU"/>
           </a:p>
@@ -2731,7 +2732,7 @@
           <a:p>
             <a:fld id="{16E01FC7-3239-43AD-825E-58BFFDA5C1AF}" type="datetimeFigureOut">
               <a:rPr lang="ru-RU" smtClean="0"/>
-              <a:t>13.12.2021</a:t>
+              <a:t>07.12.2022</a:t>
             </a:fld>
             <a:endParaRPr lang="ru-RU"/>
           </a:p>
@@ -3098,7 +3099,7 @@
           <a:p>
             <a:fld id="{16E01FC7-3239-43AD-825E-58BFFDA5C1AF}" type="datetimeFigureOut">
               <a:rPr lang="ru-RU" smtClean="0"/>
-              <a:t>13.12.2021</a:t>
+              <a:t>07.12.2022</a:t>
             </a:fld>
             <a:endParaRPr lang="ru-RU"/>
           </a:p>
@@ -3216,7 +3217,7 @@
           <a:p>
             <a:fld id="{16E01FC7-3239-43AD-825E-58BFFDA5C1AF}" type="datetimeFigureOut">
               <a:rPr lang="ru-RU" smtClean="0"/>
-              <a:t>13.12.2021</a:t>
+              <a:t>07.12.2022</a:t>
             </a:fld>
             <a:endParaRPr lang="ru-RU"/>
           </a:p>
@@ -3311,7 +3312,7 @@
           <a:p>
             <a:fld id="{16E01FC7-3239-43AD-825E-58BFFDA5C1AF}" type="datetimeFigureOut">
               <a:rPr lang="ru-RU" smtClean="0"/>
-              <a:t>13.12.2021</a:t>
+              <a:t>07.12.2022</a:t>
             </a:fld>
             <a:endParaRPr lang="ru-RU"/>
           </a:p>
@@ -3588,7 +3589,7 @@
           <a:p>
             <a:fld id="{16E01FC7-3239-43AD-825E-58BFFDA5C1AF}" type="datetimeFigureOut">
               <a:rPr lang="ru-RU" smtClean="0"/>
-              <a:t>13.12.2021</a:t>
+              <a:t>07.12.2022</a:t>
             </a:fld>
             <a:endParaRPr lang="ru-RU"/>
           </a:p>
@@ -3845,7 +3846,7 @@
           <a:p>
             <a:fld id="{16E01FC7-3239-43AD-825E-58BFFDA5C1AF}" type="datetimeFigureOut">
               <a:rPr lang="ru-RU" smtClean="0"/>
-              <a:t>13.12.2021</a:t>
+              <a:t>07.12.2022</a:t>
             </a:fld>
             <a:endParaRPr lang="ru-RU"/>
           </a:p>
@@ -4058,7 +4059,7 @@
           <a:p>
             <a:fld id="{16E01FC7-3239-43AD-825E-58BFFDA5C1AF}" type="datetimeFigureOut">
               <a:rPr lang="ru-RU" smtClean="0"/>
-              <a:t>13.12.2021</a:t>
+              <a:t>07.12.2022</a:t>
             </a:fld>
             <a:endParaRPr lang="ru-RU"/>
           </a:p>
@@ -33270,8 +33271,8 @@
           </a:p>
         </p:txBody>
       </p:sp>
-      <mc:AlternateContent xmlns:mc="http://schemas.openxmlformats.org/markup-compatibility/2006" xmlns:a14="http://schemas.microsoft.com/office/drawing/2010/main">
-        <mc:Choice Requires="a14">
+      <mc:AlternateContent xmlns:mc="http://schemas.openxmlformats.org/markup-compatibility/2006">
+        <mc:Choice xmlns:a14="http://schemas.microsoft.com/office/drawing/2010/main" Requires="a14">
           <p:graphicFrame>
             <p:nvGraphicFramePr>
               <p:cNvPr id="19" name="Объект 3"/>
@@ -33282,7 +33283,7 @@
                 <p:ph idx="1"/>
                 <p:extLst>
                   <p:ext uri="{D42A27DB-BD31-4B8C-83A1-F6EECF244321}">
-                    <p14:modId xmlns:p14="http://schemas.microsoft.com/office/powerpoint/2010/main" val="2258792161"/>
+                    <p14:modId xmlns:p14="http://schemas.microsoft.com/office/powerpoint/2010/main" val="634402295"/>
                   </p:ext>
                 </p:extLst>
               </p:nvPr>
@@ -33691,10 +33692,13 @@
                                   </m:sSubPr>
                                   <m:e>
                                     <m:r>
-                                      <a:rPr lang="en-US" altLang="ru-RU" dirty="0" smtClean="0">
-                                        <a:latin typeface="Cambria Math"/>
+                                      <m:rPr>
+                                        <m:sty m:val="p"/>
+                                      </m:rPr>
+                                      <a:rPr lang="en-US" altLang="ru-RU" b="0" i="0" dirty="0" smtClean="0">
+                                        <a:latin typeface="Cambria Math" panose="02040503050406030204" pitchFamily="18" charset="0"/>
                                       </a:rPr>
-                                      <m:t>𝑥</m:t>
+                                      <m:t>y</m:t>
                                     </m:r>
                                   </m:e>
                                   <m:sub>
@@ -33728,10 +33732,13 @@
                                   </m:sSubPr>
                                   <m:e>
                                     <m:r>
-                                      <a:rPr lang="en-US" altLang="ru-RU" dirty="0" smtClean="0">
-                                        <a:latin typeface="Cambria Math"/>
+                                      <m:rPr>
+                                        <m:sty m:val="p"/>
+                                      </m:rPr>
+                                      <a:rPr lang="en-US" altLang="ru-RU" b="0" i="0" dirty="0" smtClean="0">
+                                        <a:latin typeface="Cambria Math" panose="02040503050406030204" pitchFamily="18" charset="0"/>
                                       </a:rPr>
-                                      <m:t>𝑥</m:t>
+                                      <m:t>y</m:t>
                                     </m:r>
                                   </m:e>
                                   <m:sub>
@@ -36642,7 +36649,7 @@
             </a:graphic>
           </p:graphicFrame>
         </mc:Choice>
-        <mc:Fallback xmlns="">
+        <mc:Fallback>
           <p:graphicFrame>
             <p:nvGraphicFramePr>
               <p:cNvPr id="19" name="Объект 3"/>
@@ -36653,7 +36660,7 @@
                 <p:ph idx="1"/>
                 <p:extLst>
                   <p:ext uri="{D42A27DB-BD31-4B8C-83A1-F6EECF244321}">
-                    <p14:modId xmlns:p14="http://schemas.microsoft.com/office/powerpoint/2010/main" val="2258792161"/>
+                    <p14:modId xmlns:p14="http://schemas.microsoft.com/office/powerpoint/2010/main" val="634402295"/>
                   </p:ext>
                 </p:extLst>
               </p:nvPr>
@@ -38703,6 +38710,316 @@
       </p:par>
     </p:tnLst>
   </p:timing>
+</p:sld>
+</file>
+
+<file path=ppt/slides/slide38.xml><?xml version="1.0" encoding="utf-8"?>
+<p:sld xmlns:a="http://schemas.openxmlformats.org/drawingml/2006/main" xmlns:r="http://schemas.openxmlformats.org/officeDocument/2006/relationships" xmlns:p="http://schemas.openxmlformats.org/presentationml/2006/main">
+  <p:cSld>
+    <p:spTree>
+      <p:nvGrpSpPr>
+        <p:cNvPr id="1" name=""/>
+        <p:cNvGrpSpPr/>
+        <p:nvPr/>
+      </p:nvGrpSpPr>
+      <p:grpSpPr>
+        <a:xfrm>
+          <a:off x="0" y="0"/>
+          <a:ext cx="0" cy="0"/>
+          <a:chOff x="0" y="0"/>
+          <a:chExt cx="0" cy="0"/>
+        </a:xfrm>
+      </p:grpSpPr>
+      <p:sp>
+        <p:nvSpPr>
+          <p:cNvPr id="2" name="Заголовок 1"/>
+          <p:cNvSpPr>
+            <a:spLocks noGrp="1"/>
+          </p:cNvSpPr>
+          <p:nvPr>
+            <p:ph type="title"/>
+          </p:nvPr>
+        </p:nvSpPr>
+        <p:spPr>
+          <a:xfrm>
+            <a:off x="628650" y="365126"/>
+            <a:ext cx="7886700" cy="515091"/>
+          </a:xfrm>
+        </p:spPr>
+        <p:txBody>
+          <a:bodyPr>
+            <a:normAutofit fontScale="90000"/>
+          </a:bodyPr>
+          <a:lstStyle/>
+          <a:p>
+            <a:r>
+              <a:rPr lang="ru-RU" dirty="0" smtClean="0"/>
+              <a:t>Задания</a:t>
+            </a:r>
+            <a:endParaRPr lang="ru-RU" dirty="0"/>
+          </a:p>
+        </p:txBody>
+      </p:sp>
+      <p:sp>
+        <p:nvSpPr>
+          <p:cNvPr id="3" name="Объект 2"/>
+          <p:cNvSpPr>
+            <a:spLocks noGrp="1"/>
+          </p:cNvSpPr>
+          <p:nvPr>
+            <p:ph idx="1"/>
+          </p:nvPr>
+        </p:nvSpPr>
+        <p:spPr>
+          <a:xfrm>
+            <a:off x="435836" y="880216"/>
+            <a:ext cx="8079514" cy="5836777"/>
+          </a:xfrm>
+        </p:spPr>
+        <p:txBody>
+          <a:bodyPr>
+            <a:normAutofit fontScale="55000" lnSpcReduction="20000"/>
+          </a:bodyPr>
+          <a:lstStyle/>
+          <a:p>
+            <a:pPr marL="0" indent="0">
+              <a:buNone/>
+            </a:pPr>
+            <a:r>
+              <a:rPr lang="ru-RU" dirty="0"/>
+              <a:t>задание:</a:t>
+            </a:r>
+          </a:p>
+          <a:p>
+            <a:pPr marL="0" indent="0">
+              <a:buNone/>
+            </a:pPr>
+            <a:r>
+              <a:rPr lang="ru-RU" dirty="0"/>
+              <a:t>задается последовательность 8 бит (c клавиатуры).</a:t>
+            </a:r>
+          </a:p>
+          <a:p>
+            <a:pPr marL="0" indent="0">
+              <a:buNone/>
+            </a:pPr>
+            <a:r>
+              <a:rPr lang="ru-RU" dirty="0"/>
+              <a:t>Цель создать </a:t>
+            </a:r>
+            <a:r>
+              <a:rPr lang="ru-RU" dirty="0" smtClean="0"/>
+              <a:t>программу, </a:t>
+            </a:r>
+            <a:r>
+              <a:rPr lang="ru-RU" dirty="0"/>
+              <a:t>моделирующую последовательность кодирования последовательности </a:t>
+            </a:r>
+          </a:p>
+          <a:p>
+            <a:pPr marL="0" indent="0">
+              <a:buNone/>
+            </a:pPr>
+            <a:endParaRPr lang="ru-RU" dirty="0"/>
+          </a:p>
+          <a:p>
+            <a:pPr marL="0" indent="0">
+              <a:buNone/>
+            </a:pPr>
+            <a:r>
+              <a:rPr lang="ru-RU" dirty="0"/>
+              <a:t>задание 1:</a:t>
+            </a:r>
+          </a:p>
+          <a:p>
+            <a:pPr marL="0" indent="0">
+              <a:buNone/>
+            </a:pPr>
+            <a:r>
+              <a:rPr lang="ru-RU" dirty="0" err="1"/>
+              <a:t>scramble</a:t>
+            </a:r>
+            <a:r>
+              <a:rPr lang="ru-RU" dirty="0"/>
+              <a:t> B0i=</a:t>
+            </a:r>
+            <a:r>
+              <a:rPr lang="ru-RU" dirty="0" err="1"/>
+              <a:t>Ai</a:t>
+            </a:r>
+            <a:r>
+              <a:rPr lang="ru-RU" dirty="0"/>
+              <a:t> XOR Ai-4 XOR Ai-7 -&gt; Чередование  1,3,5,7,0,2,4,6 -&gt; </a:t>
+            </a:r>
+          </a:p>
+          <a:p>
+            <a:pPr marL="0" indent="0">
+              <a:buNone/>
+            </a:pPr>
+            <a:r>
+              <a:rPr lang="ru-RU" dirty="0"/>
+              <a:t> -&gt; Расчет фаз CCK4 -&gt; Расчет значений CCK4  -&gt; перевод значений в начальные фазы цифровой модуляции  (QPSK) -&gt; </a:t>
+            </a:r>
+          </a:p>
+          <a:p>
+            <a:pPr marL="0" indent="0">
+              <a:buNone/>
+            </a:pPr>
+            <a:r>
+              <a:rPr lang="ru-RU" dirty="0"/>
+              <a:t>-&gt; Кодирование методом скачкообразного изменения частоты FHSS по сетке </a:t>
+            </a:r>
+            <a:r>
+              <a:rPr lang="ru-RU" dirty="0" err="1"/>
+              <a:t>заданой</a:t>
+            </a:r>
+            <a:r>
+              <a:rPr lang="ru-RU" dirty="0"/>
+              <a:t> частотами с номерами 1,3,10,7,12,6,14,5</a:t>
+            </a:r>
+          </a:p>
+          <a:p>
+            <a:pPr marL="0" indent="0">
+              <a:buNone/>
+            </a:pPr>
+            <a:endParaRPr lang="ru-RU" dirty="0"/>
+          </a:p>
+          <a:p>
+            <a:pPr marL="0" indent="0">
+              <a:buNone/>
+            </a:pPr>
+            <a:r>
+              <a:rPr lang="ru-RU" dirty="0"/>
+              <a:t>задание 2:</a:t>
+            </a:r>
+          </a:p>
+          <a:p>
+            <a:pPr marL="0" indent="0">
+              <a:buNone/>
+            </a:pPr>
+            <a:r>
+              <a:rPr lang="ru-RU" dirty="0" err="1"/>
+              <a:t>scramble</a:t>
+            </a:r>
+            <a:r>
+              <a:rPr lang="ru-RU" dirty="0"/>
+              <a:t> B1i=</a:t>
+            </a:r>
+            <a:r>
+              <a:rPr lang="ru-RU" dirty="0" err="1"/>
+              <a:t>Ai</a:t>
+            </a:r>
+            <a:r>
+              <a:rPr lang="ru-RU" dirty="0"/>
+              <a:t> XOR Ai-4 XOR Ai-7 -&gt;  </a:t>
+            </a:r>
+          </a:p>
+          <a:p>
+            <a:pPr marL="0" indent="0">
+              <a:buNone/>
+            </a:pPr>
+            <a:r>
+              <a:rPr lang="ru-RU" dirty="0"/>
+              <a:t>-&gt; PBCC кодирование: 1-я последовательность </a:t>
+            </a:r>
+            <a:r>
+              <a:rPr lang="ru-RU" dirty="0" err="1"/>
+              <a:t>Bi</a:t>
+            </a:r>
+            <a:r>
+              <a:rPr lang="ru-RU" dirty="0"/>
+              <a:t> = </a:t>
+            </a:r>
+            <a:r>
+              <a:rPr lang="ru-RU" dirty="0" err="1"/>
+              <a:t>Ai</a:t>
+            </a:r>
+            <a:r>
+              <a:rPr lang="ru-RU" dirty="0"/>
+              <a:t> XOR Ai-1 XOR Ai-3 XOR Ai-4 XOR Ai-6</a:t>
+            </a:r>
+          </a:p>
+          <a:p>
+            <a:pPr marL="0" indent="0">
+              <a:buNone/>
+            </a:pPr>
+            <a:r>
+              <a:rPr lang="ru-RU" dirty="0"/>
+              <a:t>        2-я последовательность  </a:t>
+            </a:r>
+            <a:r>
+              <a:rPr lang="ru-RU" dirty="0" err="1"/>
+              <a:t>Bi</a:t>
+            </a:r>
+            <a:r>
+              <a:rPr lang="ru-RU" dirty="0"/>
+              <a:t> = </a:t>
+            </a:r>
+            <a:r>
+              <a:rPr lang="ru-RU" dirty="0" err="1"/>
+              <a:t>Ai</a:t>
+            </a:r>
+            <a:r>
+              <a:rPr lang="ru-RU" dirty="0"/>
+              <a:t> XOR Ai-2 XOR Ai-3 XOR Ai-4 XOR Ai-6  -&gt;</a:t>
+            </a:r>
+          </a:p>
+          <a:p>
+            <a:pPr marL="0" indent="0">
+              <a:buNone/>
+            </a:pPr>
+            <a:r>
+              <a:rPr lang="ru-RU" dirty="0"/>
+              <a:t> -&gt; </a:t>
+            </a:r>
+            <a:r>
+              <a:rPr lang="ru-RU" dirty="0" smtClean="0"/>
+              <a:t>Пунктирный </a:t>
+            </a:r>
+            <a:r>
+              <a:rPr lang="ru-RU" dirty="0"/>
+              <a:t>код со скорость 2/3 по принципу B_00 B_10 B_01 B_12 B_03 B_13 B_04 B_14 B_15 B_16 B_07 B_17</a:t>
+            </a:r>
+          </a:p>
+          <a:p>
+            <a:pPr marL="0" indent="0">
+              <a:buNone/>
+            </a:pPr>
+            <a:r>
+              <a:rPr lang="ru-RU" dirty="0"/>
+              <a:t>    где 0x -  первая последовательность, а 1x вторая; x - номер бита -&gt;</a:t>
+            </a:r>
+          </a:p>
+          <a:p>
+            <a:pPr marL="0" indent="0">
+              <a:buNone/>
+            </a:pPr>
+            <a:r>
+              <a:rPr lang="ru-RU" dirty="0"/>
+              <a:t> -&gt; Чередование бит по принципу 1,3,0, 5,7,9, 11,2,4, 6,8,10 (номера бит)</a:t>
+            </a:r>
+          </a:p>
+          <a:p>
+            <a:pPr marL="0" indent="0">
+              <a:buNone/>
+            </a:pPr>
+            <a:r>
+              <a:rPr lang="ru-RU" dirty="0"/>
+              <a:t>-&gt;  цифровая модуляция методом QAM-8</a:t>
+            </a:r>
+          </a:p>
+        </p:txBody>
+      </p:sp>
+    </p:spTree>
+    <p:extLst>
+      <p:ext uri="{BB962C8B-B14F-4D97-AF65-F5344CB8AC3E}">
+        <p14:creationId xmlns:p14="http://schemas.microsoft.com/office/powerpoint/2010/main" val="3840566985"/>
+      </p:ext>
+    </p:extLst>
+  </p:cSld>
+  <p:clrMapOvr>
+    <a:masterClrMapping/>
+  </p:clrMapOvr>
 </p:sld>
 </file>
 
